--- a/Git vs Gibhub 2023 rev1.pptx
+++ b/Git vs Gibhub 2023 rev1.pptx
@@ -5,10 +5,10 @@
     <p:sldMasterId id="2147483710" r:id="rId1"/>
   </p:sldMasterIdLst>
   <p:notesMasterIdLst>
-    <p:notesMasterId r:id="rId18"/>
+    <p:notesMasterId r:id="rId21"/>
   </p:notesMasterIdLst>
   <p:handoutMasterIdLst>
-    <p:handoutMasterId r:id="rId19"/>
+    <p:handoutMasterId r:id="rId22"/>
   </p:handoutMasterIdLst>
   <p:sldIdLst>
     <p:sldId id="405" r:id="rId2"/>
@@ -27,6 +27,9 @@
     <p:sldId id="460" r:id="rId15"/>
     <p:sldId id="461" r:id="rId16"/>
     <p:sldId id="462" r:id="rId17"/>
+    <p:sldId id="463" r:id="rId18"/>
+    <p:sldId id="464" r:id="rId19"/>
+    <p:sldId id="465" r:id="rId20"/>
   </p:sldIdLst>
   <p:sldSz cx="9144000" cy="6858000" type="screen4x3"/>
   <p:notesSz cx="6807200" cy="9939338"/>
@@ -6210,7 +6213,15 @@
           <a:bodyPr/>
           <a:lstStyle/>
           <a:p>
-            <a:endParaRPr lang="en-US"/>
+            <a:r>
+              <a:rPr lang="en-US" dirty="0" err="1" smtClean="0"/>
+              <a:t>Github</a:t>
+            </a:r>
+            <a:r>
+              <a:rPr lang="en-US" dirty="0" smtClean="0"/>
+              <a:t> HTTPS </a:t>
+            </a:r>
+            <a:endParaRPr lang="en-US" dirty="0"/>
           </a:p>
         </p:txBody>
       </p:sp>
@@ -6373,6 +6384,572 @@
     <p:extLst>
       <p:ext uri="{BB962C8B-B14F-4D97-AF65-F5344CB8AC3E}">
         <p14:creationId xmlns:p14="http://schemas.microsoft.com/office/powerpoint/2010/main" val="2051330347"/>
+      </p:ext>
+    </p:extLst>
+  </p:cSld>
+  <p:clrMapOvr>
+    <a:masterClrMapping/>
+  </p:clrMapOvr>
+  <p:transition>
+    <p:fade/>
+  </p:transition>
+</p:sld>
+</file>
+
+<file path=ppt/slides/slide17.xml><?xml version="1.0" encoding="utf-8"?>
+<p:sld xmlns:a="http://schemas.openxmlformats.org/drawingml/2006/main" xmlns:r="http://schemas.openxmlformats.org/officeDocument/2006/relationships" xmlns:p="http://schemas.openxmlformats.org/presentationml/2006/main">
+  <p:cSld>
+    <p:spTree>
+      <p:nvGrpSpPr>
+        <p:cNvPr id="1" name=""/>
+        <p:cNvGrpSpPr/>
+        <p:nvPr/>
+      </p:nvGrpSpPr>
+      <p:grpSpPr>
+        <a:xfrm>
+          <a:off x="0" y="0"/>
+          <a:ext cx="0" cy="0"/>
+          <a:chOff x="0" y="0"/>
+          <a:chExt cx="0" cy="0"/>
+        </a:xfrm>
+      </p:grpSpPr>
+      <p:sp>
+        <p:nvSpPr>
+          <p:cNvPr id="3" name="Slide Number Placeholder 2"/>
+          <p:cNvSpPr>
+            <a:spLocks noGrp="1"/>
+          </p:cNvSpPr>
+          <p:nvPr>
+            <p:ph type="sldNum" sz="quarter" idx="10"/>
+          </p:nvPr>
+        </p:nvSpPr>
+        <p:spPr/>
+        <p:txBody>
+          <a:bodyPr/>
+          <a:lstStyle/>
+          <a:p>
+            <a:fld id="{C774B654-F491-1D44-9E77-1DB05E2FA3C5}" type="slidenum">
+              <a:rPr lang="en-US" smtClean="0"/>
+              <a:pPr/>
+              <a:t>17</a:t>
+            </a:fld>
+            <a:endParaRPr lang="en-US"/>
+          </a:p>
+        </p:txBody>
+      </p:sp>
+      <p:sp>
+        <p:nvSpPr>
+          <p:cNvPr id="4" name="Title 3"/>
+          <p:cNvSpPr>
+            <a:spLocks noGrp="1"/>
+          </p:cNvSpPr>
+          <p:nvPr>
+            <p:ph type="title"/>
+          </p:nvPr>
+        </p:nvSpPr>
+        <p:spPr/>
+        <p:txBody>
+          <a:bodyPr/>
+          <a:lstStyle/>
+          <a:p>
+            <a:r>
+              <a:rPr lang="en-US" dirty="0" smtClean="0"/>
+              <a:t>Push to </a:t>
+            </a:r>
+            <a:r>
+              <a:rPr lang="en-US" dirty="0" err="1" smtClean="0"/>
+              <a:t>Github</a:t>
+            </a:r>
+            <a:endParaRPr lang="en-US" dirty="0"/>
+          </a:p>
+        </p:txBody>
+      </p:sp>
+      <p:pic>
+        <p:nvPicPr>
+          <p:cNvPr id="5" name="Picture 4"/>
+          <p:cNvPicPr>
+            <a:picLocks noChangeAspect="1"/>
+          </p:cNvPicPr>
+          <p:nvPr/>
+        </p:nvPicPr>
+        <p:blipFill>
+          <a:blip r:embed="rId2"/>
+          <a:stretch>
+            <a:fillRect/>
+          </a:stretch>
+        </p:blipFill>
+        <p:spPr>
+          <a:xfrm>
+            <a:off x="228600" y="2083578"/>
+            <a:ext cx="7614540" cy="4548847"/>
+          </a:xfrm>
+          <a:prstGeom prst="rect">
+            <a:avLst/>
+          </a:prstGeom>
+        </p:spPr>
+      </p:pic>
+      <p:pic>
+        <p:nvPicPr>
+          <p:cNvPr id="6" name="Picture 5"/>
+          <p:cNvPicPr>
+            <a:picLocks noChangeAspect="1"/>
+          </p:cNvPicPr>
+          <p:nvPr/>
+        </p:nvPicPr>
+        <p:blipFill>
+          <a:blip r:embed="rId3"/>
+          <a:stretch>
+            <a:fillRect/>
+          </a:stretch>
+        </p:blipFill>
+        <p:spPr>
+          <a:xfrm>
+            <a:off x="3816949" y="546319"/>
+            <a:ext cx="5098451" cy="1386984"/>
+          </a:xfrm>
+          <a:prstGeom prst="rect">
+            <a:avLst/>
+          </a:prstGeom>
+        </p:spPr>
+      </p:pic>
+    </p:spTree>
+    <p:extLst>
+      <p:ext uri="{BB962C8B-B14F-4D97-AF65-F5344CB8AC3E}">
+        <p14:creationId xmlns:p14="http://schemas.microsoft.com/office/powerpoint/2010/main" val="668703913"/>
+      </p:ext>
+    </p:extLst>
+  </p:cSld>
+  <p:clrMapOvr>
+    <a:masterClrMapping/>
+  </p:clrMapOvr>
+  <p:transition>
+    <p:fade/>
+  </p:transition>
+</p:sld>
+</file>
+
+<file path=ppt/slides/slide18.xml><?xml version="1.0" encoding="utf-8"?>
+<p:sld xmlns:a="http://schemas.openxmlformats.org/drawingml/2006/main" xmlns:r="http://schemas.openxmlformats.org/officeDocument/2006/relationships" xmlns:p="http://schemas.openxmlformats.org/presentationml/2006/main">
+  <p:cSld>
+    <p:spTree>
+      <p:nvGrpSpPr>
+        <p:cNvPr id="1" name=""/>
+        <p:cNvGrpSpPr/>
+        <p:nvPr/>
+      </p:nvGrpSpPr>
+      <p:grpSpPr>
+        <a:xfrm>
+          <a:off x="0" y="0"/>
+          <a:ext cx="0" cy="0"/>
+          <a:chOff x="0" y="0"/>
+          <a:chExt cx="0" cy="0"/>
+        </a:xfrm>
+      </p:grpSpPr>
+      <p:sp>
+        <p:nvSpPr>
+          <p:cNvPr id="2" name="Content Placeholder 1"/>
+          <p:cNvSpPr>
+            <a:spLocks noGrp="1"/>
+          </p:cNvSpPr>
+          <p:nvPr>
+            <p:ph idx="1"/>
+          </p:nvPr>
+        </p:nvSpPr>
+        <p:spPr/>
+        <p:txBody>
+          <a:bodyPr/>
+          <a:lstStyle/>
+          <a:p>
+            <a:pPr marL="0" indent="0">
+              <a:buNone/>
+            </a:pPr>
+            <a:r>
+              <a:rPr lang="en-US" dirty="0" err="1"/>
+              <a:t>git</a:t>
+            </a:r>
+            <a:r>
+              <a:rPr lang="en-US" dirty="0"/>
+              <a:t> checkout -b </a:t>
+            </a:r>
+            <a:r>
+              <a:rPr lang="en-US" dirty="0" err="1" smtClean="0"/>
+              <a:t>demo_NewBranch</a:t>
+            </a:r>
+            <a:endParaRPr lang="en-US" dirty="0" smtClean="0"/>
+          </a:p>
+          <a:p>
+            <a:pPr lvl="1"/>
+            <a:r>
+              <a:rPr lang="en-US" dirty="0" smtClean="0"/>
+              <a:t>Create a New branch </a:t>
+            </a:r>
+            <a:r>
+              <a:rPr lang="en-US" b="1" i="1" dirty="0" err="1" smtClean="0"/>
+              <a:t>demo_NewBranch</a:t>
+            </a:r>
+            <a:endParaRPr lang="en-US" b="1" i="1" dirty="0" smtClean="0"/>
+          </a:p>
+          <a:p>
+            <a:pPr lvl="1"/>
+            <a:endParaRPr lang="en-US" b="1" i="1" dirty="0"/>
+          </a:p>
+          <a:p>
+            <a:pPr lvl="1"/>
+            <a:endParaRPr lang="en-US" b="1" i="1" dirty="0" smtClean="0"/>
+          </a:p>
+          <a:p>
+            <a:pPr lvl="1"/>
+            <a:endParaRPr lang="en-US" b="1" i="1" dirty="0"/>
+          </a:p>
+          <a:p>
+            <a:pPr lvl="1"/>
+            <a:endParaRPr lang="en-US" b="1" i="1" dirty="0" smtClean="0"/>
+          </a:p>
+          <a:p>
+            <a:pPr lvl="1"/>
+            <a:r>
+              <a:rPr lang="en-US" b="1" i="1" dirty="0" smtClean="0"/>
+              <a:t>Modified myfile1 add to new branch with command prompt -&gt; </a:t>
+            </a:r>
+            <a:r>
+              <a:rPr lang="en-US" b="1" i="1" dirty="0" err="1" smtClean="0"/>
+              <a:t>git</a:t>
+            </a:r>
+            <a:r>
+              <a:rPr lang="en-US" b="1" i="1" dirty="0" smtClean="0"/>
+              <a:t> add –p </a:t>
+            </a:r>
+            <a:endParaRPr lang="en-US" b="1" i="1" dirty="0"/>
+          </a:p>
+        </p:txBody>
+      </p:sp>
+      <p:sp>
+        <p:nvSpPr>
+          <p:cNvPr id="3" name="Slide Number Placeholder 2"/>
+          <p:cNvSpPr>
+            <a:spLocks noGrp="1"/>
+          </p:cNvSpPr>
+          <p:nvPr>
+            <p:ph type="sldNum" sz="quarter" idx="10"/>
+          </p:nvPr>
+        </p:nvSpPr>
+        <p:spPr/>
+        <p:txBody>
+          <a:bodyPr/>
+          <a:lstStyle/>
+          <a:p>
+            <a:fld id="{C774B654-F491-1D44-9E77-1DB05E2FA3C5}" type="slidenum">
+              <a:rPr lang="en-US" smtClean="0"/>
+              <a:pPr/>
+              <a:t>18</a:t>
+            </a:fld>
+            <a:endParaRPr lang="en-US"/>
+          </a:p>
+        </p:txBody>
+      </p:sp>
+      <p:sp>
+        <p:nvSpPr>
+          <p:cNvPr id="4" name="Title 3"/>
+          <p:cNvSpPr>
+            <a:spLocks noGrp="1"/>
+          </p:cNvSpPr>
+          <p:nvPr>
+            <p:ph type="title"/>
+          </p:nvPr>
+        </p:nvSpPr>
+        <p:spPr/>
+        <p:txBody>
+          <a:bodyPr/>
+          <a:lstStyle/>
+          <a:p>
+            <a:r>
+              <a:rPr lang="en-US" dirty="0" smtClean="0"/>
+              <a:t>GIT Branch</a:t>
+            </a:r>
+            <a:endParaRPr lang="en-US" dirty="0"/>
+          </a:p>
+        </p:txBody>
+      </p:sp>
+      <p:pic>
+        <p:nvPicPr>
+          <p:cNvPr id="5" name="Picture 4"/>
+          <p:cNvPicPr>
+            <a:picLocks noChangeAspect="1"/>
+          </p:cNvPicPr>
+          <p:nvPr/>
+        </p:nvPicPr>
+        <p:blipFill>
+          <a:blip r:embed="rId2"/>
+          <a:stretch>
+            <a:fillRect/>
+          </a:stretch>
+        </p:blipFill>
+        <p:spPr>
+          <a:xfrm>
+            <a:off x="806223" y="1964805"/>
+            <a:ext cx="8239806" cy="1130954"/>
+          </a:xfrm>
+          <a:prstGeom prst="rect">
+            <a:avLst/>
+          </a:prstGeom>
+        </p:spPr>
+      </p:pic>
+      <p:pic>
+        <p:nvPicPr>
+          <p:cNvPr id="6" name="Picture 5"/>
+          <p:cNvPicPr>
+            <a:picLocks noChangeAspect="1"/>
+          </p:cNvPicPr>
+          <p:nvPr/>
+        </p:nvPicPr>
+        <p:blipFill>
+          <a:blip r:embed="rId3"/>
+          <a:stretch>
+            <a:fillRect/>
+          </a:stretch>
+        </p:blipFill>
+        <p:spPr>
+          <a:xfrm>
+            <a:off x="806223" y="3692707"/>
+            <a:ext cx="7715250" cy="2228850"/>
+          </a:xfrm>
+          <a:prstGeom prst="rect">
+            <a:avLst/>
+          </a:prstGeom>
+        </p:spPr>
+      </p:pic>
+    </p:spTree>
+    <p:extLst>
+      <p:ext uri="{BB962C8B-B14F-4D97-AF65-F5344CB8AC3E}">
+        <p14:creationId xmlns:p14="http://schemas.microsoft.com/office/powerpoint/2010/main" val="186105746"/>
+      </p:ext>
+    </p:extLst>
+  </p:cSld>
+  <p:clrMapOvr>
+    <a:masterClrMapping/>
+  </p:clrMapOvr>
+  <p:transition>
+    <p:fade/>
+  </p:transition>
+</p:sld>
+</file>
+
+<file path=ppt/slides/slide19.xml><?xml version="1.0" encoding="utf-8"?>
+<p:sld xmlns:a="http://schemas.openxmlformats.org/drawingml/2006/main" xmlns:r="http://schemas.openxmlformats.org/officeDocument/2006/relationships" xmlns:p="http://schemas.openxmlformats.org/presentationml/2006/main">
+  <p:cSld>
+    <p:spTree>
+      <p:nvGrpSpPr>
+        <p:cNvPr id="1" name=""/>
+        <p:cNvGrpSpPr/>
+        <p:nvPr/>
+      </p:nvGrpSpPr>
+      <p:grpSpPr>
+        <a:xfrm>
+          <a:off x="0" y="0"/>
+          <a:ext cx="0" cy="0"/>
+          <a:chOff x="0" y="0"/>
+          <a:chExt cx="0" cy="0"/>
+        </a:xfrm>
+      </p:grpSpPr>
+      <p:sp>
+        <p:nvSpPr>
+          <p:cNvPr id="2" name="Content Placeholder 1"/>
+          <p:cNvSpPr>
+            <a:spLocks noGrp="1"/>
+          </p:cNvSpPr>
+          <p:nvPr>
+            <p:ph idx="1"/>
+          </p:nvPr>
+        </p:nvSpPr>
+        <p:spPr/>
+        <p:txBody>
+          <a:bodyPr/>
+          <a:lstStyle/>
+          <a:p>
+            <a:pPr marL="0" indent="0">
+              <a:buNone/>
+            </a:pPr>
+            <a:r>
+              <a:rPr lang="en-US" dirty="0" smtClean="0"/>
+              <a:t>List both </a:t>
+            </a:r>
+            <a:r>
+              <a:rPr lang="en-US" dirty="0"/>
+              <a:t>local and remote </a:t>
+            </a:r>
+            <a:r>
+              <a:rPr lang="en-US" dirty="0" smtClean="0"/>
+              <a:t>branches</a:t>
+            </a:r>
+          </a:p>
+          <a:p>
+            <a:pPr lvl="1"/>
+            <a:r>
+              <a:rPr lang="en-US" dirty="0" err="1" smtClean="0"/>
+              <a:t>Git</a:t>
+            </a:r>
+            <a:r>
+              <a:rPr lang="en-US" dirty="0" smtClean="0"/>
+              <a:t> branch –a</a:t>
+            </a:r>
+          </a:p>
+          <a:p>
+            <a:pPr lvl="1"/>
+            <a:endParaRPr lang="en-US" dirty="0"/>
+          </a:p>
+          <a:p>
+            <a:pPr lvl="1"/>
+            <a:endParaRPr lang="en-US" dirty="0" smtClean="0"/>
+          </a:p>
+          <a:p>
+            <a:pPr lvl="1"/>
+            <a:endParaRPr lang="en-US" dirty="0"/>
+          </a:p>
+          <a:p>
+            <a:pPr lvl="1"/>
+            <a:endParaRPr lang="en-US" dirty="0" smtClean="0"/>
+          </a:p>
+          <a:p>
+            <a:pPr lvl="1"/>
+            <a:endParaRPr lang="en-US" dirty="0" smtClean="0"/>
+          </a:p>
+          <a:p>
+            <a:pPr marL="0" indent="-4762">
+              <a:buNone/>
+            </a:pPr>
+            <a:r>
+              <a:rPr lang="en-US" dirty="0" smtClean="0"/>
+              <a:t>Current Status</a:t>
+            </a:r>
+          </a:p>
+          <a:p>
+            <a:pPr marL="571500" lvl="1" indent="-342900"/>
+            <a:r>
+              <a:rPr lang="en-US" dirty="0" err="1" smtClean="0"/>
+              <a:t>Git</a:t>
+            </a:r>
+            <a:r>
+              <a:rPr lang="en-US" dirty="0" smtClean="0"/>
+              <a:t> status</a:t>
+            </a:r>
+          </a:p>
+          <a:p>
+            <a:pPr marL="228600" lvl="1" indent="0">
+              <a:buNone/>
+            </a:pPr>
+            <a:endParaRPr lang="en-US" dirty="0" smtClean="0"/>
+          </a:p>
+          <a:p>
+            <a:pPr marL="0" indent="-4762">
+              <a:buNone/>
+            </a:pPr>
+            <a:endParaRPr lang="en-US" dirty="0"/>
+          </a:p>
+        </p:txBody>
+      </p:sp>
+      <p:sp>
+        <p:nvSpPr>
+          <p:cNvPr id="3" name="Slide Number Placeholder 2"/>
+          <p:cNvSpPr>
+            <a:spLocks noGrp="1"/>
+          </p:cNvSpPr>
+          <p:nvPr>
+            <p:ph type="sldNum" sz="quarter" idx="10"/>
+          </p:nvPr>
+        </p:nvSpPr>
+        <p:spPr/>
+        <p:txBody>
+          <a:bodyPr/>
+          <a:lstStyle/>
+          <a:p>
+            <a:fld id="{C774B654-F491-1D44-9E77-1DB05E2FA3C5}" type="slidenum">
+              <a:rPr lang="en-US" smtClean="0"/>
+              <a:pPr/>
+              <a:t>19</a:t>
+            </a:fld>
+            <a:endParaRPr lang="en-US"/>
+          </a:p>
+        </p:txBody>
+      </p:sp>
+      <p:sp>
+        <p:nvSpPr>
+          <p:cNvPr id="4" name="Title 3"/>
+          <p:cNvSpPr>
+            <a:spLocks noGrp="1"/>
+          </p:cNvSpPr>
+          <p:nvPr>
+            <p:ph type="title"/>
+          </p:nvPr>
+        </p:nvSpPr>
+        <p:spPr/>
+        <p:txBody>
+          <a:bodyPr/>
+          <a:lstStyle/>
+          <a:p>
+            <a:r>
+              <a:rPr lang="en-US" dirty="0" err="1" smtClean="0"/>
+              <a:t>Git</a:t>
+            </a:r>
+            <a:r>
+              <a:rPr lang="en-US" dirty="0" smtClean="0"/>
+              <a:t> Branch</a:t>
+            </a:r>
+            <a:endParaRPr lang="en-US" dirty="0"/>
+          </a:p>
+        </p:txBody>
+      </p:sp>
+      <p:pic>
+        <p:nvPicPr>
+          <p:cNvPr id="5" name="Picture 4"/>
+          <p:cNvPicPr>
+            <a:picLocks noChangeAspect="1"/>
+          </p:cNvPicPr>
+          <p:nvPr/>
+        </p:nvPicPr>
+        <p:blipFill>
+          <a:blip r:embed="rId2"/>
+          <a:stretch>
+            <a:fillRect/>
+          </a:stretch>
+        </p:blipFill>
+        <p:spPr>
+          <a:xfrm>
+            <a:off x="228600" y="2136503"/>
+            <a:ext cx="8666086" cy="1325154"/>
+          </a:xfrm>
+          <a:prstGeom prst="rect">
+            <a:avLst/>
+          </a:prstGeom>
+        </p:spPr>
+      </p:pic>
+      <p:pic>
+        <p:nvPicPr>
+          <p:cNvPr id="6" name="Picture 5"/>
+          <p:cNvPicPr>
+            <a:picLocks noChangeAspect="1"/>
+          </p:cNvPicPr>
+          <p:nvPr/>
+        </p:nvPicPr>
+        <p:blipFill>
+          <a:blip r:embed="rId3"/>
+          <a:stretch>
+            <a:fillRect/>
+          </a:stretch>
+        </p:blipFill>
+        <p:spPr>
+          <a:xfrm>
+            <a:off x="243021" y="4480151"/>
+            <a:ext cx="8637243" cy="869089"/>
+          </a:xfrm>
+          <a:prstGeom prst="rect">
+            <a:avLst/>
+          </a:prstGeom>
+        </p:spPr>
+      </p:pic>
+    </p:spTree>
+    <p:extLst>
+      <p:ext uri="{BB962C8B-B14F-4D97-AF65-F5344CB8AC3E}">
+        <p14:creationId xmlns:p14="http://schemas.microsoft.com/office/powerpoint/2010/main" val="3318672489"/>
       </p:ext>
     </p:extLst>
   </p:cSld>

--- a/Git vs Gibhub 2023 rev1.pptx
+++ b/Git vs Gibhub 2023 rev1.pptx
@@ -244,7 +244,7 @@
             <a:fld id="{B3C4BBEE-6B1E-4227-894D-D6D603090CE5}" type="datetimeFigureOut">
               <a:rPr lang="en-US" smtClean="0"/>
               <a:pPr/>
-              <a:t>2/17/2023</a:t>
+              <a:t>2/24/2023</a:t>
             </a:fld>
             <a:endParaRPr lang="en-US"/>
           </a:p>
@@ -406,7 +406,7 @@
             <a:fld id="{D3C56510-0779-4B31-A6FC-3C8A826AEAFF}" type="datetimeFigureOut">
               <a:rPr lang="en-US" smtClean="0"/>
               <a:pPr/>
-              <a:t>2/17/2023</a:t>
+              <a:t>2/24/2023</a:t>
             </a:fld>
             <a:endParaRPr lang="en-US"/>
           </a:p>
@@ -5438,11 +5438,7 @@
             </a:pPr>
             <a:r>
               <a:rPr lang="en-US" b="1" dirty="0" smtClean="0"/>
-              <a:t>Clone a local </a:t>
-            </a:r>
-            <a:r>
-              <a:rPr lang="en-US" b="1" dirty="0" smtClean="0"/>
-              <a:t>repository in local machines:</a:t>
+              <a:t>Clone a local repository in local machines:</a:t>
             </a:r>
           </a:p>
           <a:p>
@@ -6087,7 +6083,11 @@
           <a:bodyPr/>
           <a:lstStyle/>
           <a:p>
-            <a:endParaRPr lang="en-US"/>
+            <a:r>
+              <a:rPr lang="en-US" dirty="0" smtClean="0"/>
+              <a:t>Repository History </a:t>
+            </a:r>
+            <a:endParaRPr lang="en-US" dirty="0"/>
           </a:p>
         </p:txBody>
       </p:sp>
@@ -8660,13 +8660,8 @@
             </a:r>
             <a:r>
               <a:rPr lang="en-US" dirty="0" smtClean="0"/>
-              <a:t>PowerShell </a:t>
-            </a:r>
-            <a:r>
-              <a:rPr lang="en-US" dirty="0" smtClean="0"/>
-              <a:t>/ GIT Bash (Unix user)</a:t>
-            </a:r>
-            <a:endParaRPr lang="en-US" dirty="0" smtClean="0"/>
+              <a:t>PowerShell / GIT Bash (Unix user)</a:t>
+            </a:r>
           </a:p>
           <a:p>
             <a:pPr>
